--- a/Starcraft-2-Unit-Recognition.pptx
+++ b/Starcraft-2-Unit-Recognition.pptx
@@ -9,6 +9,9 @@
     <p:sldId id="257" r:id="rId3"/>
     <p:sldId id="258" r:id="rId4"/>
     <p:sldId id="259" r:id="rId5"/>
+    <p:sldId id="260" r:id="rId6"/>
+    <p:sldId id="261" r:id="rId7"/>
+    <p:sldId id="262" r:id="rId8"/>
   </p:sldIdLst>
   <p:sldSz cx="12192000" cy="6858000"/>
   <p:notesSz cx="6858000" cy="9144000"/>
@@ -107,6 +110,11 @@
       </a:defRPr>
     </a:lvl9pPr>
   </p:defaultTextStyle>
+  <p:extLst>
+    <p:ext uri="{EFAFB233-063F-42B5-8137-9DF3F51BA10A}">
+      <p15:sldGuideLst xmlns:p15="http://schemas.microsoft.com/office/powerpoint/2012/main"/>
+    </p:ext>
+  </p:extLst>
 </p:presentation>
 </file>
 
@@ -624,7 +632,7 @@
           <a:p>
             <a:fld id="{A1BD42DB-FDE9-4EDA-8164-883AD916FC86}" type="datetimeFigureOut">
               <a:rPr lang="en-US" smtClean="0"/>
-              <a:t>6/23/2019</a:t>
+              <a:t>6/26/2019</a:t>
             </a:fld>
             <a:endParaRPr lang="en-US"/>
           </a:p>
@@ -920,7 +928,7 @@
           <a:p>
             <a:fld id="{A1BD42DB-FDE9-4EDA-8164-883AD916FC86}" type="datetimeFigureOut">
               <a:rPr lang="en-US" smtClean="0"/>
-              <a:t>6/23/2019</a:t>
+              <a:t>6/26/2019</a:t>
             </a:fld>
             <a:endParaRPr lang="en-US"/>
           </a:p>
@@ -1168,7 +1176,7 @@
           <a:p>
             <a:fld id="{A1BD42DB-FDE9-4EDA-8164-883AD916FC86}" type="datetimeFigureOut">
               <a:rPr lang="en-US" smtClean="0"/>
-              <a:t>6/23/2019</a:t>
+              <a:t>6/26/2019</a:t>
             </a:fld>
             <a:endParaRPr lang="en-US"/>
           </a:p>
@@ -1708,7 +1716,7 @@
           <a:p>
             <a:fld id="{A1BD42DB-FDE9-4EDA-8164-883AD916FC86}" type="datetimeFigureOut">
               <a:rPr lang="en-US" smtClean="0"/>
-              <a:t>6/23/2019</a:t>
+              <a:t>6/26/2019</a:t>
             </a:fld>
             <a:endParaRPr lang="en-US"/>
           </a:p>
@@ -1956,7 +1964,7 @@
           <a:p>
             <a:fld id="{A1BD42DB-FDE9-4EDA-8164-883AD916FC86}" type="datetimeFigureOut">
               <a:rPr lang="en-US" smtClean="0"/>
-              <a:t>6/23/2019</a:t>
+              <a:t>6/26/2019</a:t>
             </a:fld>
             <a:endParaRPr lang="en-US"/>
           </a:p>
@@ -2488,7 +2496,7 @@
           <a:p>
             <a:fld id="{A1BD42DB-FDE9-4EDA-8164-883AD916FC86}" type="datetimeFigureOut">
               <a:rPr lang="en-US" smtClean="0"/>
-              <a:t>6/23/2019</a:t>
+              <a:t>6/26/2019</a:t>
             </a:fld>
             <a:endParaRPr lang="en-US"/>
           </a:p>
@@ -2785,7 +2793,7 @@
           <a:p>
             <a:fld id="{A1BD42DB-FDE9-4EDA-8164-883AD916FC86}" type="datetimeFigureOut">
               <a:rPr lang="en-US" smtClean="0"/>
-              <a:t>6/23/2019</a:t>
+              <a:t>6/26/2019</a:t>
             </a:fld>
             <a:endParaRPr lang="en-US"/>
           </a:p>
@@ -2959,7 +2967,7 @@
           <a:p>
             <a:fld id="{A1BD42DB-FDE9-4EDA-8164-883AD916FC86}" type="datetimeFigureOut">
               <a:rPr lang="en-US" smtClean="0"/>
-              <a:t>6/23/2019</a:t>
+              <a:t>6/26/2019</a:t>
             </a:fld>
             <a:endParaRPr lang="en-US"/>
           </a:p>
@@ -3139,7 +3147,7 @@
           <a:p>
             <a:fld id="{A1BD42DB-FDE9-4EDA-8164-883AD916FC86}" type="datetimeFigureOut">
               <a:rPr lang="en-US" smtClean="0"/>
-              <a:t>6/23/2019</a:t>
+              <a:t>6/26/2019</a:t>
             </a:fld>
             <a:endParaRPr lang="en-US"/>
           </a:p>
@@ -3309,7 +3317,7 @@
           <a:p>
             <a:fld id="{A1BD42DB-FDE9-4EDA-8164-883AD916FC86}" type="datetimeFigureOut">
               <a:rPr lang="en-US" smtClean="0"/>
-              <a:t>6/23/2019</a:t>
+              <a:t>6/26/2019</a:t>
             </a:fld>
             <a:endParaRPr lang="en-US"/>
           </a:p>
@@ -3560,7 +3568,7 @@
           <a:p>
             <a:fld id="{A1BD42DB-FDE9-4EDA-8164-883AD916FC86}" type="datetimeFigureOut">
               <a:rPr lang="en-US" smtClean="0"/>
-              <a:t>6/23/2019</a:t>
+              <a:t>6/26/2019</a:t>
             </a:fld>
             <a:endParaRPr lang="en-US"/>
           </a:p>
@@ -3857,7 +3865,7 @@
           <a:p>
             <a:fld id="{A1BD42DB-FDE9-4EDA-8164-883AD916FC86}" type="datetimeFigureOut">
               <a:rPr lang="en-US" smtClean="0"/>
-              <a:t>6/23/2019</a:t>
+              <a:t>6/26/2019</a:t>
             </a:fld>
             <a:endParaRPr lang="en-US"/>
           </a:p>
@@ -4299,7 +4307,7 @@
           <a:p>
             <a:fld id="{A1BD42DB-FDE9-4EDA-8164-883AD916FC86}" type="datetimeFigureOut">
               <a:rPr lang="en-US" smtClean="0"/>
-              <a:t>6/23/2019</a:t>
+              <a:t>6/26/2019</a:t>
             </a:fld>
             <a:endParaRPr lang="en-US"/>
           </a:p>
@@ -4417,7 +4425,7 @@
           <a:p>
             <a:fld id="{A1BD42DB-FDE9-4EDA-8164-883AD916FC86}" type="datetimeFigureOut">
               <a:rPr lang="en-US" smtClean="0"/>
-              <a:t>6/23/2019</a:t>
+              <a:t>6/26/2019</a:t>
             </a:fld>
             <a:endParaRPr lang="en-US"/>
           </a:p>
@@ -4512,7 +4520,7 @@
           <a:p>
             <a:fld id="{A1BD42DB-FDE9-4EDA-8164-883AD916FC86}" type="datetimeFigureOut">
               <a:rPr lang="en-US" smtClean="0"/>
-              <a:t>6/23/2019</a:t>
+              <a:t>6/26/2019</a:t>
             </a:fld>
             <a:endParaRPr lang="en-US"/>
           </a:p>
@@ -4795,7 +4803,7 @@
           <a:p>
             <a:fld id="{A1BD42DB-FDE9-4EDA-8164-883AD916FC86}" type="datetimeFigureOut">
               <a:rPr lang="en-US" smtClean="0"/>
-              <a:t>6/23/2019</a:t>
+              <a:t>6/26/2019</a:t>
             </a:fld>
             <a:endParaRPr lang="en-US"/>
           </a:p>
@@ -5086,7 +5094,7 @@
           <a:p>
             <a:fld id="{A1BD42DB-FDE9-4EDA-8164-883AD916FC86}" type="datetimeFigureOut">
               <a:rPr lang="en-US" smtClean="0"/>
-              <a:t>6/23/2019</a:t>
+              <a:t>6/26/2019</a:t>
             </a:fld>
             <a:endParaRPr lang="en-US"/>
           </a:p>
@@ -5616,7 +5624,7 @@
           <a:p>
             <a:fld id="{A1BD42DB-FDE9-4EDA-8164-883AD916FC86}" type="datetimeFigureOut">
               <a:rPr lang="en-US" smtClean="0"/>
-              <a:t>6/23/2019</a:t>
+              <a:t>6/26/2019</a:t>
             </a:fld>
             <a:endParaRPr lang="en-US"/>
           </a:p>
@@ -7237,49 +7245,30 @@
       </p:sp>
       <p:pic>
         <p:nvPicPr>
-          <p:cNvPr id="1028" name="Picture 4" descr="Image result for tf record file">
+          <p:cNvPr id="13" name="Picture 12">
             <a:extLst>
               <a:ext uri="{FF2B5EF4-FFF2-40B4-BE49-F238E27FC236}">
-                <a16:creationId xmlns:a16="http://schemas.microsoft.com/office/drawing/2014/main" id="{87D753CE-B303-402A-8E00-DAFECA78A3C3}"/>
+                <a16:creationId xmlns:a16="http://schemas.microsoft.com/office/drawing/2014/main" id="{B75525A2-491D-4EAB-B8F4-5836BD000635}"/>
               </a:ext>
             </a:extLst>
           </p:cNvPr>
-          <p:cNvPicPr>
-            <a:picLocks noChangeAspect="1" noChangeArrowheads="1"/>
-          </p:cNvPicPr>
+          <p:cNvPicPr/>
           <p:nvPr/>
         </p:nvPicPr>
         <p:blipFill>
-          <a:blip r:embed="rId5">
-            <a:extLst>
-              <a:ext uri="{28A0092B-C50C-407E-A947-70E740481C1C}">
-                <a14:useLocalDpi xmlns:a14="http://schemas.microsoft.com/office/drawing/2010/main" val="0"/>
-              </a:ext>
-            </a:extLst>
-          </a:blip>
-          <a:srcRect/>
+          <a:blip r:embed="rId5"/>
           <a:stretch>
             <a:fillRect/>
           </a:stretch>
         </p:blipFill>
-        <p:spPr bwMode="auto">
+        <p:spPr>
           <a:xfrm>
-            <a:off x="1558616" y="4730513"/>
-            <a:ext cx="2464858" cy="1304925"/>
+            <a:off x="1979453" y="4739395"/>
+            <a:ext cx="2028501" cy="1287162"/>
           </a:xfrm>
           <a:prstGeom prst="rect">
             <a:avLst/>
           </a:prstGeom>
-          <a:noFill/>
-          <a:extLst>
-            <a:ext uri="{909E8E84-426E-40DD-AFC4-6F175D3DCCD1}">
-              <a14:hiddenFill xmlns:a14="http://schemas.microsoft.com/office/drawing/2010/main">
-                <a:solidFill>
-                  <a:srgbClr val="FFFFFF"/>
-                </a:solidFill>
-              </a14:hiddenFill>
-            </a:ext>
-          </a:extLst>
         </p:spPr>
       </p:pic>
     </p:spTree>
@@ -7406,6 +7395,1431 @@
     <p:extLst>
       <p:ext uri="{BB962C8B-B14F-4D97-AF65-F5344CB8AC3E}">
         <p14:creationId xmlns:p14="http://schemas.microsoft.com/office/powerpoint/2010/main" val="1030303320"/>
+      </p:ext>
+    </p:extLst>
+  </p:cSld>
+  <p:clrMapOvr>
+    <a:masterClrMapping/>
+  </p:clrMapOvr>
+</p:sld>
+</file>
+
+<file path=ppt/slides/slide5.xml><?xml version="1.0" encoding="utf-8"?>
+<p:sld xmlns:a="http://schemas.openxmlformats.org/drawingml/2006/main" xmlns:r="http://schemas.openxmlformats.org/officeDocument/2006/relationships" xmlns:p="http://schemas.openxmlformats.org/presentationml/2006/main">
+  <p:cSld>
+    <p:bg>
+      <p:bgPr>
+        <a:blipFill rotWithShape="1">
+          <a:blip r:embed="rId2">
+            <a:duotone>
+              <a:schemeClr val="bg2">
+                <a:shade val="76000"/>
+                <a:satMod val="180000"/>
+              </a:schemeClr>
+              <a:schemeClr val="bg2">
+                <a:tint val="80000"/>
+                <a:satMod val="120000"/>
+                <a:lumMod val="180000"/>
+              </a:schemeClr>
+            </a:duotone>
+          </a:blip>
+          <a:stretch/>
+        </a:blipFill>
+        <a:effectLst/>
+      </p:bgPr>
+    </p:bg>
+    <p:spTree>
+      <p:nvGrpSpPr>
+        <p:cNvPr id="1" name=""/>
+        <p:cNvGrpSpPr/>
+        <p:nvPr/>
+      </p:nvGrpSpPr>
+      <p:grpSpPr>
+        <a:xfrm>
+          <a:off x="0" y="0"/>
+          <a:ext cx="0" cy="0"/>
+          <a:chOff x="0" y="0"/>
+          <a:chExt cx="0" cy="0"/>
+        </a:xfrm>
+      </p:grpSpPr>
+      <p:grpSp>
+        <p:nvGrpSpPr>
+          <p:cNvPr id="46" name="Group 32">
+            <a:extLst>
+              <a:ext uri="{FF2B5EF4-FFF2-40B4-BE49-F238E27FC236}">
+                <a16:creationId xmlns:a16="http://schemas.microsoft.com/office/drawing/2014/main" id="{7CD2F605-77BD-4D9C-BC95-97EB75D69D88}"/>
+              </a:ext>
+              <a:ext uri="{C183D7F6-B498-43B3-948B-1728B52AA6E4}">
+                <adec:decorative xmlns:adec="http://schemas.microsoft.com/office/drawing/2017/decorative" val="1"/>
+              </a:ext>
+            </a:extLst>
+          </p:cNvPr>
+          <p:cNvGrpSpPr>
+            <a:grpSpLocks noGrp="1" noUngrp="1" noRot="1" noChangeAspect="1" noMove="1" noResize="1"/>
+          </p:cNvGrpSpPr>
+          <p:nvPr>
+            <p:extLst>
+              <p:ext uri="{386F3935-93C4-4BCD-93E2-E3B085C9AB24}">
+                <p16:designElem xmlns:p16="http://schemas.microsoft.com/office/powerpoint/2015/main" val="1"/>
+              </p:ext>
+            </p:extLst>
+          </p:nvPr>
+        </p:nvGrpSpPr>
+        <p:grpSpPr>
+          <a:xfrm>
+            <a:off x="546100" y="-4763"/>
+            <a:ext cx="5014912" cy="6862763"/>
+            <a:chOff x="2928938" y="-4763"/>
+            <a:chExt cx="5014912" cy="6862763"/>
+          </a:xfrm>
+        </p:grpSpPr>
+        <p:sp>
+          <p:nvSpPr>
+            <p:cNvPr id="34" name="Freeform 6">
+              <a:extLst>
+                <a:ext uri="{FF2B5EF4-FFF2-40B4-BE49-F238E27FC236}">
+                  <a16:creationId xmlns:a16="http://schemas.microsoft.com/office/drawing/2014/main" id="{40259AB5-8B5C-4CD4-AE10-7A177BB73836}"/>
+                </a:ext>
+                <a:ext uri="{C183D7F6-B498-43B3-948B-1728B52AA6E4}">
+                  <adec:decorative xmlns:adec="http://schemas.microsoft.com/office/drawing/2017/decorative" val="1"/>
+                </a:ext>
+              </a:extLst>
+            </p:cNvPr>
+            <p:cNvSpPr/>
+            <p:nvPr>
+              <p:extLst>
+                <p:ext uri="{386F3935-93C4-4BCD-93E2-E3B085C9AB24}">
+                  <p16:designElem xmlns:p16="http://schemas.microsoft.com/office/powerpoint/2015/main" val="1"/>
+                </p:ext>
+              </p:extLst>
+            </p:nvPr>
+          </p:nvSpPr>
+          <p:spPr bwMode="auto">
+            <a:xfrm>
+              <a:off x="3367088" y="-4763"/>
+              <a:ext cx="1063625" cy="2782888"/>
+            </a:xfrm>
+            <a:custGeom>
+              <a:avLst/>
+              <a:gdLst/>
+              <a:ahLst/>
+              <a:cxnLst/>
+              <a:rect l="0" t="0" r="r" b="b"/>
+              <a:pathLst>
+                <a:path w="670" h="1753">
+                  <a:moveTo>
+                    <a:pt x="0" y="1696"/>
+                  </a:moveTo>
+                  <a:lnTo>
+                    <a:pt x="225" y="1753"/>
+                  </a:lnTo>
+                  <a:lnTo>
+                    <a:pt x="670" y="0"/>
+                  </a:lnTo>
+                  <a:lnTo>
+                    <a:pt x="430" y="0"/>
+                  </a:lnTo>
+                  <a:lnTo>
+                    <a:pt x="0" y="1696"/>
+                  </a:lnTo>
+                  <a:close/>
+                </a:path>
+              </a:pathLst>
+            </a:custGeom>
+            <a:solidFill>
+              <a:schemeClr val="accent1"/>
+            </a:solidFill>
+            <a:ln>
+              <a:noFill/>
+            </a:ln>
+          </p:spPr>
+        </p:sp>
+        <p:sp>
+          <p:nvSpPr>
+            <p:cNvPr id="35" name="Freeform 7">
+              <a:extLst>
+                <a:ext uri="{FF2B5EF4-FFF2-40B4-BE49-F238E27FC236}">
+                  <a16:creationId xmlns:a16="http://schemas.microsoft.com/office/drawing/2014/main" id="{DB110D97-363A-40D5-98E8-D367DFCFB235}"/>
+                </a:ext>
+                <a:ext uri="{C183D7F6-B498-43B3-948B-1728B52AA6E4}">
+                  <adec:decorative xmlns:adec="http://schemas.microsoft.com/office/drawing/2017/decorative" val="1"/>
+                </a:ext>
+              </a:extLst>
+            </p:cNvPr>
+            <p:cNvSpPr/>
+            <p:nvPr>
+              <p:extLst>
+                <p:ext uri="{386F3935-93C4-4BCD-93E2-E3B085C9AB24}">
+                  <p16:designElem xmlns:p16="http://schemas.microsoft.com/office/powerpoint/2015/main" val="1"/>
+                </p:ext>
+              </p:extLst>
+            </p:nvPr>
+          </p:nvSpPr>
+          <p:spPr bwMode="auto">
+            <a:xfrm>
+              <a:off x="2928938" y="-4763"/>
+              <a:ext cx="1035050" cy="2673350"/>
+            </a:xfrm>
+            <a:custGeom>
+              <a:avLst/>
+              <a:gdLst/>
+              <a:ahLst/>
+              <a:cxnLst/>
+              <a:rect l="0" t="0" r="r" b="b"/>
+              <a:pathLst>
+                <a:path w="652" h="1684">
+                  <a:moveTo>
+                    <a:pt x="225" y="1684"/>
+                  </a:moveTo>
+                  <a:lnTo>
+                    <a:pt x="652" y="0"/>
+                  </a:lnTo>
+                  <a:lnTo>
+                    <a:pt x="411" y="0"/>
+                  </a:lnTo>
+                  <a:lnTo>
+                    <a:pt x="0" y="1627"/>
+                  </a:lnTo>
+                  <a:lnTo>
+                    <a:pt x="219" y="1681"/>
+                  </a:lnTo>
+                  <a:lnTo>
+                    <a:pt x="225" y="1684"/>
+                  </a:lnTo>
+                  <a:close/>
+                </a:path>
+              </a:pathLst>
+            </a:custGeom>
+            <a:solidFill>
+              <a:schemeClr val="tx1">
+                <a:lumMod val="65000"/>
+                <a:lumOff val="35000"/>
+              </a:schemeClr>
+            </a:solidFill>
+            <a:ln>
+              <a:noFill/>
+            </a:ln>
+          </p:spPr>
+        </p:sp>
+        <p:sp>
+          <p:nvSpPr>
+            <p:cNvPr id="36" name="Freeform 9">
+              <a:extLst>
+                <a:ext uri="{FF2B5EF4-FFF2-40B4-BE49-F238E27FC236}">
+                  <a16:creationId xmlns:a16="http://schemas.microsoft.com/office/drawing/2014/main" id="{30DC9DB4-96D0-47E9-A6E5-1590DED848FE}"/>
+                </a:ext>
+                <a:ext uri="{C183D7F6-B498-43B3-948B-1728B52AA6E4}">
+                  <adec:decorative xmlns:adec="http://schemas.microsoft.com/office/drawing/2017/decorative" val="1"/>
+                </a:ext>
+              </a:extLst>
+            </p:cNvPr>
+            <p:cNvSpPr/>
+            <p:nvPr>
+              <p:extLst>
+                <p:ext uri="{386F3935-93C4-4BCD-93E2-E3B085C9AB24}">
+                  <p16:designElem xmlns:p16="http://schemas.microsoft.com/office/powerpoint/2015/main" val="1"/>
+                </p:ext>
+              </p:extLst>
+            </p:nvPr>
+          </p:nvSpPr>
+          <p:spPr bwMode="auto">
+            <a:xfrm>
+              <a:off x="2928938" y="2582862"/>
+              <a:ext cx="2693987" cy="4275138"/>
+            </a:xfrm>
+            <a:custGeom>
+              <a:avLst/>
+              <a:gdLst/>
+              <a:ahLst/>
+              <a:cxnLst/>
+              <a:rect l="0" t="0" r="r" b="b"/>
+              <a:pathLst>
+                <a:path w="1697" h="2693">
+                  <a:moveTo>
+                    <a:pt x="0" y="0"/>
+                  </a:moveTo>
+                  <a:lnTo>
+                    <a:pt x="1622" y="2693"/>
+                  </a:lnTo>
+                  <a:lnTo>
+                    <a:pt x="1697" y="2693"/>
+                  </a:lnTo>
+                  <a:lnTo>
+                    <a:pt x="0" y="0"/>
+                  </a:lnTo>
+                  <a:close/>
+                </a:path>
+              </a:pathLst>
+            </a:custGeom>
+            <a:solidFill>
+              <a:schemeClr val="tx1">
+                <a:lumMod val="85000"/>
+                <a:lumOff val="15000"/>
+              </a:schemeClr>
+            </a:solidFill>
+            <a:ln>
+              <a:noFill/>
+            </a:ln>
+          </p:spPr>
+        </p:sp>
+        <p:sp>
+          <p:nvSpPr>
+            <p:cNvPr id="37" name="Freeform 10">
+              <a:extLst>
+                <a:ext uri="{FF2B5EF4-FFF2-40B4-BE49-F238E27FC236}">
+                  <a16:creationId xmlns:a16="http://schemas.microsoft.com/office/drawing/2014/main" id="{8CA317D7-424B-4887-BEDF-18EF7915C5C1}"/>
+                </a:ext>
+                <a:ext uri="{C183D7F6-B498-43B3-948B-1728B52AA6E4}">
+                  <adec:decorative xmlns:adec="http://schemas.microsoft.com/office/drawing/2017/decorative" val="1"/>
+                </a:ext>
+              </a:extLst>
+            </p:cNvPr>
+            <p:cNvSpPr/>
+            <p:nvPr>
+              <p:extLst>
+                <p:ext uri="{386F3935-93C4-4BCD-93E2-E3B085C9AB24}">
+                  <p16:designElem xmlns:p16="http://schemas.microsoft.com/office/powerpoint/2015/main" val="1"/>
+                </p:ext>
+              </p:extLst>
+            </p:nvPr>
+          </p:nvSpPr>
+          <p:spPr bwMode="auto">
+            <a:xfrm>
+              <a:off x="3371850" y="2692400"/>
+              <a:ext cx="3332162" cy="4165600"/>
+            </a:xfrm>
+            <a:custGeom>
+              <a:avLst/>
+              <a:gdLst/>
+              <a:ahLst/>
+              <a:cxnLst/>
+              <a:rect l="0" t="0" r="r" b="b"/>
+              <a:pathLst>
+                <a:path w="2099" h="2624">
+                  <a:moveTo>
+                    <a:pt x="2099" y="2624"/>
+                  </a:moveTo>
+                  <a:lnTo>
+                    <a:pt x="0" y="0"/>
+                  </a:lnTo>
+                  <a:lnTo>
+                    <a:pt x="2021" y="2624"/>
+                  </a:lnTo>
+                  <a:lnTo>
+                    <a:pt x="2099" y="2624"/>
+                  </a:lnTo>
+                  <a:close/>
+                </a:path>
+              </a:pathLst>
+            </a:custGeom>
+            <a:solidFill>
+              <a:schemeClr val="accent1">
+                <a:lumMod val="50000"/>
+              </a:schemeClr>
+            </a:solidFill>
+            <a:ln>
+              <a:noFill/>
+            </a:ln>
+          </p:spPr>
+        </p:sp>
+        <p:sp>
+          <p:nvSpPr>
+            <p:cNvPr id="38" name="Freeform 11">
+              <a:extLst>
+                <a:ext uri="{FF2B5EF4-FFF2-40B4-BE49-F238E27FC236}">
+                  <a16:creationId xmlns:a16="http://schemas.microsoft.com/office/drawing/2014/main" id="{ACF40F67-B16B-4E7F-A595-0EF370063DF0}"/>
+                </a:ext>
+                <a:ext uri="{C183D7F6-B498-43B3-948B-1728B52AA6E4}">
+                  <adec:decorative xmlns:adec="http://schemas.microsoft.com/office/drawing/2017/decorative" val="1"/>
+                </a:ext>
+              </a:extLst>
+            </p:cNvPr>
+            <p:cNvSpPr/>
+            <p:nvPr>
+              <p:extLst>
+                <p:ext uri="{386F3935-93C4-4BCD-93E2-E3B085C9AB24}">
+                  <p16:designElem xmlns:p16="http://schemas.microsoft.com/office/powerpoint/2015/main" val="1"/>
+                </p:ext>
+              </p:extLst>
+            </p:nvPr>
+          </p:nvSpPr>
+          <p:spPr bwMode="auto">
+            <a:xfrm>
+              <a:off x="3367088" y="2687637"/>
+              <a:ext cx="4576762" cy="4170363"/>
+            </a:xfrm>
+            <a:custGeom>
+              <a:avLst/>
+              <a:gdLst/>
+              <a:ahLst/>
+              <a:cxnLst/>
+              <a:rect l="0" t="0" r="r" b="b"/>
+              <a:pathLst>
+                <a:path w="2883" h="2627">
+                  <a:moveTo>
+                    <a:pt x="0" y="0"/>
+                  </a:moveTo>
+                  <a:lnTo>
+                    <a:pt x="3" y="3"/>
+                  </a:lnTo>
+                  <a:lnTo>
+                    <a:pt x="2102" y="2627"/>
+                  </a:lnTo>
+                  <a:lnTo>
+                    <a:pt x="2883" y="2627"/>
+                  </a:lnTo>
+                  <a:lnTo>
+                    <a:pt x="225" y="57"/>
+                  </a:lnTo>
+                  <a:lnTo>
+                    <a:pt x="0" y="0"/>
+                  </a:lnTo>
+                  <a:close/>
+                </a:path>
+              </a:pathLst>
+            </a:custGeom>
+            <a:solidFill>
+              <a:schemeClr val="accent1">
+                <a:lumMod val="75000"/>
+              </a:schemeClr>
+            </a:solidFill>
+            <a:ln>
+              <a:noFill/>
+            </a:ln>
+          </p:spPr>
+        </p:sp>
+        <p:sp>
+          <p:nvSpPr>
+            <p:cNvPr id="39" name="Freeform 12">
+              <a:extLst>
+                <a:ext uri="{FF2B5EF4-FFF2-40B4-BE49-F238E27FC236}">
+                  <a16:creationId xmlns:a16="http://schemas.microsoft.com/office/drawing/2014/main" id="{EB2264F1-4BB6-4403-A681-A463AA730397}"/>
+                </a:ext>
+                <a:ext uri="{C183D7F6-B498-43B3-948B-1728B52AA6E4}">
+                  <adec:decorative xmlns:adec="http://schemas.microsoft.com/office/drawing/2017/decorative" val="1"/>
+                </a:ext>
+              </a:extLst>
+            </p:cNvPr>
+            <p:cNvSpPr/>
+            <p:nvPr>
+              <p:extLst>
+                <p:ext uri="{386F3935-93C4-4BCD-93E2-E3B085C9AB24}">
+                  <p16:designElem xmlns:p16="http://schemas.microsoft.com/office/powerpoint/2015/main" val="1"/>
+                </p:ext>
+              </p:extLst>
+            </p:nvPr>
+          </p:nvSpPr>
+          <p:spPr bwMode="auto">
+            <a:xfrm>
+              <a:off x="2928938" y="2578100"/>
+              <a:ext cx="3584575" cy="4279900"/>
+            </a:xfrm>
+            <a:custGeom>
+              <a:avLst/>
+              <a:gdLst/>
+              <a:ahLst/>
+              <a:cxnLst/>
+              <a:rect l="0" t="0" r="r" b="b"/>
+              <a:pathLst>
+                <a:path w="2258" h="2696">
+                  <a:moveTo>
+                    <a:pt x="2258" y="2696"/>
+                  </a:moveTo>
+                  <a:lnTo>
+                    <a:pt x="264" y="111"/>
+                  </a:lnTo>
+                  <a:lnTo>
+                    <a:pt x="228" y="60"/>
+                  </a:lnTo>
+                  <a:lnTo>
+                    <a:pt x="225" y="57"/>
+                  </a:lnTo>
+                  <a:lnTo>
+                    <a:pt x="0" y="0"/>
+                  </a:lnTo>
+                  <a:lnTo>
+                    <a:pt x="0" y="3"/>
+                  </a:lnTo>
+                  <a:lnTo>
+                    <a:pt x="1697" y="2696"/>
+                  </a:lnTo>
+                  <a:lnTo>
+                    <a:pt x="2258" y="2696"/>
+                  </a:lnTo>
+                  <a:close/>
+                </a:path>
+              </a:pathLst>
+            </a:custGeom>
+            <a:solidFill>
+              <a:schemeClr val="tx1">
+                <a:lumMod val="75000"/>
+                <a:lumOff val="25000"/>
+              </a:schemeClr>
+            </a:solidFill>
+            <a:ln>
+              <a:noFill/>
+            </a:ln>
+          </p:spPr>
+        </p:sp>
+      </p:grpSp>
+      <p:sp>
+        <p:nvSpPr>
+          <p:cNvPr id="2" name="Title 1">
+            <a:extLst>
+              <a:ext uri="{FF2B5EF4-FFF2-40B4-BE49-F238E27FC236}">
+                <a16:creationId xmlns:a16="http://schemas.microsoft.com/office/drawing/2014/main" id="{49C43BB2-4B7D-4CC7-BB7C-10090CAB1356}"/>
+              </a:ext>
+            </a:extLst>
+          </p:cNvPr>
+          <p:cNvSpPr>
+            <a:spLocks noGrp="1"/>
+          </p:cNvSpPr>
+          <p:nvPr>
+            <p:ph type="title"/>
+          </p:nvPr>
+        </p:nvSpPr>
+        <p:spPr>
+          <a:xfrm>
+            <a:off x="2338387" y="0"/>
+            <a:ext cx="5225385" cy="2616199"/>
+          </a:xfrm>
+        </p:spPr>
+        <p:txBody>
+          <a:bodyPr vert="horz" lIns="91440" tIns="45720" rIns="91440" bIns="45720" rtlCol="0" anchor="b">
+            <a:normAutofit/>
+          </a:bodyPr>
+          <a:lstStyle/>
+          <a:p>
+            <a:pPr algn="r"/>
+            <a:r>
+              <a:rPr lang="en-US" sz="6000" dirty="0"/>
+              <a:t>Training</a:t>
+            </a:r>
+          </a:p>
+        </p:txBody>
+      </p:sp>
+      <p:pic>
+        <p:nvPicPr>
+          <p:cNvPr id="4" name="Picture 3">
+            <a:extLst>
+              <a:ext uri="{FF2B5EF4-FFF2-40B4-BE49-F238E27FC236}">
+                <a16:creationId xmlns:a16="http://schemas.microsoft.com/office/drawing/2014/main" id="{4D47A8F1-2D96-4CBC-9EE2-FE0FC2BE4AD2}"/>
+              </a:ext>
+            </a:extLst>
+          </p:cNvPr>
+          <p:cNvPicPr/>
+          <p:nvPr/>
+        </p:nvPicPr>
+        <p:blipFill rotWithShape="1">
+          <a:blip r:embed="rId3"/>
+          <a:srcRect r="1627" b="-3"/>
+          <a:stretch/>
+        </p:blipFill>
+        <p:spPr>
+          <a:xfrm>
+            <a:off x="8127998" y="10"/>
+            <a:ext cx="4064001" cy="3428990"/>
+          </a:xfrm>
+          <a:prstGeom prst="rect">
+            <a:avLst/>
+          </a:prstGeom>
+        </p:spPr>
+      </p:pic>
+      <p:pic>
+        <p:nvPicPr>
+          <p:cNvPr id="5" name="Picture 4">
+            <a:extLst>
+              <a:ext uri="{FF2B5EF4-FFF2-40B4-BE49-F238E27FC236}">
+                <a16:creationId xmlns:a16="http://schemas.microsoft.com/office/drawing/2014/main" id="{60B951A8-19D1-4FC9-8EFC-6C7F222890DC}"/>
+              </a:ext>
+            </a:extLst>
+          </p:cNvPr>
+          <p:cNvPicPr/>
+          <p:nvPr/>
+        </p:nvPicPr>
+        <p:blipFill rotWithShape="1">
+          <a:blip r:embed="rId3"/>
+          <a:srcRect r="1627" b="-3"/>
+          <a:stretch/>
+        </p:blipFill>
+        <p:spPr>
+          <a:xfrm>
+            <a:off x="8125045" y="3429000"/>
+            <a:ext cx="4064001" cy="3429000"/>
+          </a:xfrm>
+          <a:prstGeom prst="rect">
+            <a:avLst/>
+          </a:prstGeom>
+        </p:spPr>
+      </p:pic>
+      <p:sp>
+        <p:nvSpPr>
+          <p:cNvPr id="7" name="TextBox 6">
+            <a:extLst>
+              <a:ext uri="{FF2B5EF4-FFF2-40B4-BE49-F238E27FC236}">
+                <a16:creationId xmlns:a16="http://schemas.microsoft.com/office/drawing/2014/main" id="{2C8BC857-4BE2-49FD-B4B7-1E838C7354EF}"/>
+              </a:ext>
+            </a:extLst>
+          </p:cNvPr>
+          <p:cNvSpPr txBox="1"/>
+          <p:nvPr/>
+        </p:nvSpPr>
+        <p:spPr>
+          <a:xfrm>
+            <a:off x="4102291" y="3429000"/>
+            <a:ext cx="3489866" cy="923330"/>
+          </a:xfrm>
+          <a:prstGeom prst="rect">
+            <a:avLst/>
+          </a:prstGeom>
+          <a:noFill/>
+        </p:spPr>
+        <p:txBody>
+          <a:bodyPr wrap="none" rtlCol="0">
+            <a:spAutoFit/>
+          </a:bodyPr>
+          <a:lstStyle/>
+          <a:p>
+            <a:pPr marL="285750" indent="-285750">
+              <a:buFont typeface="Arial" panose="020B0604020202020204" pitchFamily="34" charset="0"/>
+              <a:buChar char="•"/>
+            </a:pPr>
+            <a:r>
+              <a:rPr lang="en-US" dirty="0"/>
+              <a:t>Total Time = ~1 hour</a:t>
+            </a:r>
+          </a:p>
+          <a:p>
+            <a:pPr marL="285750" indent="-285750">
+              <a:buFont typeface="Arial" panose="020B0604020202020204" pitchFamily="34" charset="0"/>
+              <a:buChar char="•"/>
+            </a:pPr>
+            <a:r>
+              <a:rPr lang="en-US" dirty="0"/>
+              <a:t>Final Score: Log loss = 0.0289</a:t>
+            </a:r>
+          </a:p>
+          <a:p>
+            <a:pPr marL="285750" indent="-285750">
+              <a:buFont typeface="Arial" panose="020B0604020202020204" pitchFamily="34" charset="0"/>
+              <a:buChar char="•"/>
+            </a:pPr>
+            <a:r>
+              <a:rPr lang="en-US" dirty="0"/>
+              <a:t>Accuracy on validation set: 98%</a:t>
+            </a:r>
+          </a:p>
+        </p:txBody>
+      </p:sp>
+    </p:spTree>
+    <p:extLst>
+      <p:ext uri="{BB962C8B-B14F-4D97-AF65-F5344CB8AC3E}">
+        <p14:creationId xmlns:p14="http://schemas.microsoft.com/office/powerpoint/2010/main" val="45097592"/>
+      </p:ext>
+    </p:extLst>
+  </p:cSld>
+  <p:clrMapOvr>
+    <a:masterClrMapping/>
+  </p:clrMapOvr>
+</p:sld>
+</file>
+
+<file path=ppt/slides/slide6.xml><?xml version="1.0" encoding="utf-8"?>
+<p:sld xmlns:a="http://schemas.openxmlformats.org/drawingml/2006/main" xmlns:r="http://schemas.openxmlformats.org/officeDocument/2006/relationships" xmlns:p="http://schemas.openxmlformats.org/presentationml/2006/main">
+  <p:cSld>
+    <p:bg>
+      <p:bgPr>
+        <a:blipFill rotWithShape="1">
+          <a:blip r:embed="rId2">
+            <a:duotone>
+              <a:schemeClr val="bg2">
+                <a:shade val="76000"/>
+                <a:satMod val="180000"/>
+              </a:schemeClr>
+              <a:schemeClr val="bg2">
+                <a:tint val="80000"/>
+                <a:satMod val="120000"/>
+                <a:lumMod val="180000"/>
+              </a:schemeClr>
+            </a:duotone>
+          </a:blip>
+          <a:stretch/>
+        </a:blipFill>
+        <a:effectLst/>
+      </p:bgPr>
+    </p:bg>
+    <p:spTree>
+      <p:nvGrpSpPr>
+        <p:cNvPr id="1" name=""/>
+        <p:cNvGrpSpPr/>
+        <p:nvPr/>
+      </p:nvGrpSpPr>
+      <p:grpSpPr>
+        <a:xfrm>
+          <a:off x="0" y="0"/>
+          <a:ext cx="0" cy="0"/>
+          <a:chOff x="0" y="0"/>
+          <a:chExt cx="0" cy="0"/>
+        </a:xfrm>
+      </p:grpSpPr>
+      <p:sp useBgFill="1">
+        <p:nvSpPr>
+          <p:cNvPr id="12" name="Rectangle 11">
+            <a:extLst>
+              <a:ext uri="{FF2B5EF4-FFF2-40B4-BE49-F238E27FC236}">
+                <a16:creationId xmlns:a16="http://schemas.microsoft.com/office/drawing/2014/main" id="{6AD30037-67ED-4367-9BE0-45787510BF13}"/>
+              </a:ext>
+              <a:ext uri="{C183D7F6-B498-43B3-948B-1728B52AA6E4}">
+                <adec:decorative xmlns:adec="http://schemas.microsoft.com/office/drawing/2017/decorative" val="1"/>
+              </a:ext>
+            </a:extLst>
+          </p:cNvPr>
+          <p:cNvSpPr>
+            <a:spLocks noGrp="1" noRot="1" noChangeAspect="1" noMove="1" noResize="1" noEditPoints="1" noAdjustHandles="1" noChangeArrowheads="1" noChangeShapeType="1" noTextEdit="1"/>
+          </p:cNvSpPr>
+          <p:nvPr>
+            <p:extLst>
+              <p:ext uri="{386F3935-93C4-4BCD-93E2-E3B085C9AB24}">
+                <p16:designElem xmlns:p16="http://schemas.microsoft.com/office/powerpoint/2015/main" val="1"/>
+              </p:ext>
+            </p:extLst>
+          </p:nvPr>
+        </p:nvSpPr>
+        <p:spPr>
+          <a:xfrm>
+            <a:off x="0" y="0"/>
+            <a:ext cx="12192000" cy="6858000"/>
+          </a:xfrm>
+          <a:prstGeom prst="rect">
+            <a:avLst/>
+          </a:prstGeom>
+          <a:ln>
+            <a:noFill/>
+          </a:ln>
+        </p:spPr>
+        <p:style>
+          <a:lnRef idx="2">
+            <a:schemeClr val="accent1">
+              <a:shade val="50000"/>
+            </a:schemeClr>
+          </a:lnRef>
+          <a:fillRef idx="1">
+            <a:schemeClr val="accent1"/>
+          </a:fillRef>
+          <a:effectRef idx="0">
+            <a:schemeClr val="accent1"/>
+          </a:effectRef>
+          <a:fontRef idx="minor">
+            <a:schemeClr val="lt1"/>
+          </a:fontRef>
+        </p:style>
+        <p:txBody>
+          <a:bodyPr rtlCol="0" anchor="ctr"/>
+          <a:lstStyle/>
+          <a:p>
+            <a:pPr algn="ctr"/>
+            <a:endParaRPr lang="en-US"/>
+          </a:p>
+        </p:txBody>
+      </p:sp>
+      <p:pic>
+        <p:nvPicPr>
+          <p:cNvPr id="7" name="Content Placeholder 3">
+            <a:extLst>
+              <a:ext uri="{FF2B5EF4-FFF2-40B4-BE49-F238E27FC236}">
+                <a16:creationId xmlns:a16="http://schemas.microsoft.com/office/drawing/2014/main" id="{5DE08CA9-CCE2-4A51-857B-CE5093441E5B}"/>
+              </a:ext>
+            </a:extLst>
+          </p:cNvPr>
+          <p:cNvPicPr>
+            <a:picLocks/>
+          </p:cNvPicPr>
+          <p:nvPr/>
+        </p:nvPicPr>
+        <p:blipFill rotWithShape="1">
+          <a:blip r:embed="rId3"/>
+          <a:srcRect l="11417" r="10534"/>
+          <a:stretch/>
+        </p:blipFill>
+        <p:spPr>
+          <a:xfrm>
+            <a:off x="6892924" y="10"/>
+            <a:ext cx="5299077" cy="6857990"/>
+          </a:xfrm>
+          <a:custGeom>
+            <a:avLst/>
+            <a:gdLst>
+              <a:gd name="connsiteX0" fmla="*/ 836871 w 5299077"/>
+              <a:gd name="connsiteY0" fmla="*/ 0 h 6858000"/>
+              <a:gd name="connsiteX1" fmla="*/ 5299077 w 5299077"/>
+              <a:gd name="connsiteY1" fmla="*/ 0 h 6858000"/>
+              <a:gd name="connsiteX2" fmla="*/ 5299077 w 5299077"/>
+              <a:gd name="connsiteY2" fmla="*/ 6858000 h 6858000"/>
+              <a:gd name="connsiteX3" fmla="*/ 1911312 w 5299077"/>
+              <a:gd name="connsiteY3" fmla="*/ 6858000 h 6858000"/>
+              <a:gd name="connsiteX4" fmla="*/ 0 w 5299077"/>
+              <a:gd name="connsiteY4" fmla="*/ 5333999 h 6858000"/>
+            </a:gdLst>
+            <a:ahLst/>
+            <a:cxnLst>
+              <a:cxn ang="0">
+                <a:pos x="connsiteX0" y="connsiteY0"/>
+              </a:cxn>
+              <a:cxn ang="0">
+                <a:pos x="connsiteX1" y="connsiteY1"/>
+              </a:cxn>
+              <a:cxn ang="0">
+                <a:pos x="connsiteX2" y="connsiteY2"/>
+              </a:cxn>
+              <a:cxn ang="0">
+                <a:pos x="connsiteX3" y="connsiteY3"/>
+              </a:cxn>
+              <a:cxn ang="0">
+                <a:pos x="connsiteX4" y="connsiteY4"/>
+              </a:cxn>
+            </a:cxnLst>
+            <a:rect l="l" t="t" r="r" b="b"/>
+            <a:pathLst>
+              <a:path w="5299077" h="6858000">
+                <a:moveTo>
+                  <a:pt x="836871" y="0"/>
+                </a:moveTo>
+                <a:lnTo>
+                  <a:pt x="5299077" y="0"/>
+                </a:lnTo>
+                <a:lnTo>
+                  <a:pt x="5299077" y="6858000"/>
+                </a:lnTo>
+                <a:lnTo>
+                  <a:pt x="1911312" y="6858000"/>
+                </a:lnTo>
+                <a:lnTo>
+                  <a:pt x="0" y="5333999"/>
+                </a:lnTo>
+                <a:close/>
+              </a:path>
+            </a:pathLst>
+          </a:custGeom>
+        </p:spPr>
+      </p:pic>
+      <p:grpSp>
+        <p:nvGrpSpPr>
+          <p:cNvPr id="14" name="Group 13">
+            <a:extLst>
+              <a:ext uri="{FF2B5EF4-FFF2-40B4-BE49-F238E27FC236}">
+                <a16:creationId xmlns:a16="http://schemas.microsoft.com/office/drawing/2014/main" id="{50841A4E-5BC1-44B4-83CF-D524E8AEAD64}"/>
+              </a:ext>
+              <a:ext uri="{C183D7F6-B498-43B3-948B-1728B52AA6E4}">
+                <adec:decorative xmlns:adec="http://schemas.microsoft.com/office/drawing/2017/decorative" val="1"/>
+              </a:ext>
+            </a:extLst>
+          </p:cNvPr>
+          <p:cNvGrpSpPr>
+            <a:grpSpLocks noGrp="1" noUngrp="1" noRot="1" noChangeAspect="1" noMove="1" noResize="1"/>
+          </p:cNvGrpSpPr>
+          <p:nvPr>
+            <p:extLst>
+              <p:ext uri="{386F3935-93C4-4BCD-93E2-E3B085C9AB24}">
+                <p16:designElem xmlns:p16="http://schemas.microsoft.com/office/powerpoint/2015/main" val="1"/>
+              </p:ext>
+            </p:extLst>
+          </p:nvPr>
+        </p:nvGrpSpPr>
+        <p:grpSpPr>
+          <a:xfrm>
+            <a:off x="6232760" y="0"/>
+            <a:ext cx="2436813" cy="6858001"/>
+            <a:chOff x="1320800" y="0"/>
+            <a:chExt cx="2436813" cy="6858001"/>
+          </a:xfrm>
+        </p:grpSpPr>
+        <p:sp>
+          <p:nvSpPr>
+            <p:cNvPr id="15" name="Freeform 6">
+              <a:extLst>
+                <a:ext uri="{FF2B5EF4-FFF2-40B4-BE49-F238E27FC236}">
+                  <a16:creationId xmlns:a16="http://schemas.microsoft.com/office/drawing/2014/main" id="{BF371BCC-8954-44E2-8C4F-29DC188727AC}"/>
+                </a:ext>
+                <a:ext uri="{C183D7F6-B498-43B3-948B-1728B52AA6E4}">
+                  <adec:decorative xmlns:adec="http://schemas.microsoft.com/office/drawing/2017/decorative" val="1"/>
+                </a:ext>
+              </a:extLst>
+            </p:cNvPr>
+            <p:cNvSpPr/>
+            <p:nvPr>
+              <p:extLst>
+                <p:ext uri="{386F3935-93C4-4BCD-93E2-E3B085C9AB24}">
+                  <p16:designElem xmlns:p16="http://schemas.microsoft.com/office/powerpoint/2015/main" val="1"/>
+                </p:ext>
+              </p:extLst>
+            </p:nvPr>
+          </p:nvSpPr>
+          <p:spPr bwMode="auto">
+            <a:xfrm>
+              <a:off x="1627188" y="0"/>
+              <a:ext cx="1122363" cy="5329238"/>
+            </a:xfrm>
+            <a:custGeom>
+              <a:avLst/>
+              <a:gdLst/>
+              <a:ahLst/>
+              <a:cxnLst/>
+              <a:rect l="0" t="0" r="r" b="b"/>
+              <a:pathLst>
+                <a:path w="707" h="3357">
+                  <a:moveTo>
+                    <a:pt x="0" y="3330"/>
+                  </a:moveTo>
+                  <a:lnTo>
+                    <a:pt x="156" y="3357"/>
+                  </a:lnTo>
+                  <a:lnTo>
+                    <a:pt x="707" y="0"/>
+                  </a:lnTo>
+                  <a:lnTo>
+                    <a:pt x="547" y="0"/>
+                  </a:lnTo>
+                  <a:lnTo>
+                    <a:pt x="0" y="3330"/>
+                  </a:lnTo>
+                  <a:close/>
+                </a:path>
+              </a:pathLst>
+            </a:custGeom>
+            <a:solidFill>
+              <a:schemeClr val="accent1"/>
+            </a:solidFill>
+            <a:ln>
+              <a:noFill/>
+            </a:ln>
+          </p:spPr>
+        </p:sp>
+        <p:sp>
+          <p:nvSpPr>
+            <p:cNvPr id="16" name="Freeform 7">
+              <a:extLst>
+                <a:ext uri="{FF2B5EF4-FFF2-40B4-BE49-F238E27FC236}">
+                  <a16:creationId xmlns:a16="http://schemas.microsoft.com/office/drawing/2014/main" id="{CD3505BE-B420-41C5-BE34-3E7652D37A5F}"/>
+                </a:ext>
+                <a:ext uri="{C183D7F6-B498-43B3-948B-1728B52AA6E4}">
+                  <adec:decorative xmlns:adec="http://schemas.microsoft.com/office/drawing/2017/decorative" val="1"/>
+                </a:ext>
+              </a:extLst>
+            </p:cNvPr>
+            <p:cNvSpPr/>
+            <p:nvPr>
+              <p:extLst>
+                <p:ext uri="{386F3935-93C4-4BCD-93E2-E3B085C9AB24}">
+                  <p16:designElem xmlns:p16="http://schemas.microsoft.com/office/powerpoint/2015/main" val="1"/>
+                </p:ext>
+              </p:extLst>
+            </p:nvPr>
+          </p:nvSpPr>
+          <p:spPr bwMode="auto">
+            <a:xfrm>
+              <a:off x="1320800" y="0"/>
+              <a:ext cx="1117600" cy="5276850"/>
+            </a:xfrm>
+            <a:custGeom>
+              <a:avLst/>
+              <a:gdLst/>
+              <a:ahLst/>
+              <a:cxnLst/>
+              <a:rect l="0" t="0" r="r" b="b"/>
+              <a:pathLst>
+                <a:path w="704" h="3324">
+                  <a:moveTo>
+                    <a:pt x="704" y="0"/>
+                  </a:moveTo>
+                  <a:lnTo>
+                    <a:pt x="545" y="0"/>
+                  </a:lnTo>
+                  <a:lnTo>
+                    <a:pt x="0" y="3300"/>
+                  </a:lnTo>
+                  <a:lnTo>
+                    <a:pt x="157" y="3324"/>
+                  </a:lnTo>
+                  <a:lnTo>
+                    <a:pt x="704" y="0"/>
+                  </a:lnTo>
+                  <a:close/>
+                </a:path>
+              </a:pathLst>
+            </a:custGeom>
+            <a:solidFill>
+              <a:schemeClr val="tx1">
+                <a:lumMod val="65000"/>
+                <a:lumOff val="35000"/>
+              </a:schemeClr>
+            </a:solidFill>
+            <a:ln>
+              <a:noFill/>
+            </a:ln>
+          </p:spPr>
+        </p:sp>
+        <p:sp>
+          <p:nvSpPr>
+            <p:cNvPr id="17" name="Freeform 8">
+              <a:extLst>
+                <a:ext uri="{FF2B5EF4-FFF2-40B4-BE49-F238E27FC236}">
+                  <a16:creationId xmlns:a16="http://schemas.microsoft.com/office/drawing/2014/main" id="{4B68A05B-A78B-4D59-8CF9-1900731A2188}"/>
+                </a:ext>
+                <a:ext uri="{C183D7F6-B498-43B3-948B-1728B52AA6E4}">
+                  <adec:decorative xmlns:adec="http://schemas.microsoft.com/office/drawing/2017/decorative" val="1"/>
+                </a:ext>
+              </a:extLst>
+            </p:cNvPr>
+            <p:cNvSpPr/>
+            <p:nvPr>
+              <p:extLst>
+                <p:ext uri="{386F3935-93C4-4BCD-93E2-E3B085C9AB24}">
+                  <p16:designElem xmlns:p16="http://schemas.microsoft.com/office/powerpoint/2015/main" val="1"/>
+                </p:ext>
+              </p:extLst>
+            </p:nvPr>
+          </p:nvSpPr>
+          <p:spPr bwMode="auto">
+            <a:xfrm>
+              <a:off x="1320800" y="5238750"/>
+              <a:ext cx="1228725" cy="1619250"/>
+            </a:xfrm>
+            <a:custGeom>
+              <a:avLst/>
+              <a:gdLst/>
+              <a:ahLst/>
+              <a:cxnLst/>
+              <a:rect l="0" t="0" r="r" b="b"/>
+              <a:pathLst>
+                <a:path w="774" h="1020">
+                  <a:moveTo>
+                    <a:pt x="0" y="0"/>
+                  </a:moveTo>
+                  <a:lnTo>
+                    <a:pt x="740" y="1020"/>
+                  </a:lnTo>
+                  <a:lnTo>
+                    <a:pt x="774" y="1020"/>
+                  </a:lnTo>
+                  <a:lnTo>
+                    <a:pt x="0" y="0"/>
+                  </a:lnTo>
+                  <a:close/>
+                </a:path>
+              </a:pathLst>
+            </a:custGeom>
+            <a:solidFill>
+              <a:schemeClr val="tx1">
+                <a:lumMod val="85000"/>
+                <a:lumOff val="15000"/>
+              </a:schemeClr>
+            </a:solidFill>
+            <a:ln>
+              <a:noFill/>
+            </a:ln>
+          </p:spPr>
+        </p:sp>
+        <p:sp>
+          <p:nvSpPr>
+            <p:cNvPr id="18" name="Freeform 9">
+              <a:extLst>
+                <a:ext uri="{FF2B5EF4-FFF2-40B4-BE49-F238E27FC236}">
+                  <a16:creationId xmlns:a16="http://schemas.microsoft.com/office/drawing/2014/main" id="{84D57A01-C112-4FF2-B5ED-0B762AAD9CE2}"/>
+                </a:ext>
+                <a:ext uri="{C183D7F6-B498-43B3-948B-1728B52AA6E4}">
+                  <adec:decorative xmlns:adec="http://schemas.microsoft.com/office/drawing/2017/decorative" val="1"/>
+                </a:ext>
+              </a:extLst>
+            </p:cNvPr>
+            <p:cNvSpPr/>
+            <p:nvPr>
+              <p:extLst>
+                <p:ext uri="{386F3935-93C4-4BCD-93E2-E3B085C9AB24}">
+                  <p16:designElem xmlns:p16="http://schemas.microsoft.com/office/powerpoint/2015/main" val="1"/>
+                </p:ext>
+              </p:extLst>
+            </p:nvPr>
+          </p:nvSpPr>
+          <p:spPr bwMode="auto">
+            <a:xfrm>
+              <a:off x="1627188" y="5291138"/>
+              <a:ext cx="1495425" cy="1566863"/>
+            </a:xfrm>
+            <a:custGeom>
+              <a:avLst/>
+              <a:gdLst/>
+              <a:ahLst/>
+              <a:cxnLst/>
+              <a:rect l="0" t="0" r="r" b="b"/>
+              <a:pathLst>
+                <a:path w="942" h="987">
+                  <a:moveTo>
+                    <a:pt x="0" y="0"/>
+                  </a:moveTo>
+                  <a:lnTo>
+                    <a:pt x="909" y="987"/>
+                  </a:lnTo>
+                  <a:lnTo>
+                    <a:pt x="942" y="987"/>
+                  </a:lnTo>
+                  <a:lnTo>
+                    <a:pt x="0" y="0"/>
+                  </a:lnTo>
+                  <a:close/>
+                </a:path>
+              </a:pathLst>
+            </a:custGeom>
+            <a:solidFill>
+              <a:schemeClr val="accent1">
+                <a:lumMod val="50000"/>
+              </a:schemeClr>
+            </a:solidFill>
+            <a:ln>
+              <a:noFill/>
+            </a:ln>
+          </p:spPr>
+        </p:sp>
+        <p:sp>
+          <p:nvSpPr>
+            <p:cNvPr id="19" name="Freeform 10">
+              <a:extLst>
+                <a:ext uri="{FF2B5EF4-FFF2-40B4-BE49-F238E27FC236}">
+                  <a16:creationId xmlns:a16="http://schemas.microsoft.com/office/drawing/2014/main" id="{6CCCCDF1-5D4F-4CA1-8400-DFBB96BB011D}"/>
+                </a:ext>
+                <a:ext uri="{C183D7F6-B498-43B3-948B-1728B52AA6E4}">
+                  <adec:decorative xmlns:adec="http://schemas.microsoft.com/office/drawing/2017/decorative" val="1"/>
+                </a:ext>
+              </a:extLst>
+            </p:cNvPr>
+            <p:cNvSpPr/>
+            <p:nvPr>
+              <p:extLst>
+                <p:ext uri="{386F3935-93C4-4BCD-93E2-E3B085C9AB24}">
+                  <p16:designElem xmlns:p16="http://schemas.microsoft.com/office/powerpoint/2015/main" val="1"/>
+                </p:ext>
+              </p:extLst>
+            </p:nvPr>
+          </p:nvSpPr>
+          <p:spPr bwMode="auto">
+            <a:xfrm>
+              <a:off x="1627188" y="5286375"/>
+              <a:ext cx="2130425" cy="1571625"/>
+            </a:xfrm>
+            <a:custGeom>
+              <a:avLst/>
+              <a:gdLst/>
+              <a:ahLst/>
+              <a:cxnLst/>
+              <a:rect l="0" t="0" r="r" b="b"/>
+              <a:pathLst>
+                <a:path w="1342" h="990">
+                  <a:moveTo>
+                    <a:pt x="0" y="3"/>
+                  </a:moveTo>
+                  <a:lnTo>
+                    <a:pt x="942" y="990"/>
+                  </a:lnTo>
+                  <a:lnTo>
+                    <a:pt x="1342" y="990"/>
+                  </a:lnTo>
+                  <a:lnTo>
+                    <a:pt x="156" y="27"/>
+                  </a:lnTo>
+                  <a:lnTo>
+                    <a:pt x="0" y="0"/>
+                  </a:lnTo>
+                  <a:lnTo>
+                    <a:pt x="0" y="3"/>
+                  </a:lnTo>
+                  <a:close/>
+                </a:path>
+              </a:pathLst>
+            </a:custGeom>
+            <a:solidFill>
+              <a:schemeClr val="accent1">
+                <a:lumMod val="75000"/>
+              </a:schemeClr>
+            </a:solidFill>
+            <a:ln>
+              <a:noFill/>
+            </a:ln>
+          </p:spPr>
+        </p:sp>
+        <p:sp>
+          <p:nvSpPr>
+            <p:cNvPr id="20" name="Freeform 11">
+              <a:extLst>
+                <a:ext uri="{FF2B5EF4-FFF2-40B4-BE49-F238E27FC236}">
+                  <a16:creationId xmlns:a16="http://schemas.microsoft.com/office/drawing/2014/main" id="{20A090B2-5344-43CD-BC70-A6D44F15E800}"/>
+                </a:ext>
+                <a:ext uri="{C183D7F6-B498-43B3-948B-1728B52AA6E4}">
+                  <adec:decorative xmlns:adec="http://schemas.microsoft.com/office/drawing/2017/decorative" val="1"/>
+                </a:ext>
+              </a:extLst>
+            </p:cNvPr>
+            <p:cNvSpPr/>
+            <p:nvPr>
+              <p:extLst>
+                <p:ext uri="{386F3935-93C4-4BCD-93E2-E3B085C9AB24}">
+                  <p16:designElem xmlns:p16="http://schemas.microsoft.com/office/powerpoint/2015/main" val="1"/>
+                </p:ext>
+              </p:extLst>
+            </p:nvPr>
+          </p:nvSpPr>
+          <p:spPr bwMode="auto">
+            <a:xfrm>
+              <a:off x="1320800" y="5238750"/>
+              <a:ext cx="1695450" cy="1619250"/>
+            </a:xfrm>
+            <a:custGeom>
+              <a:avLst/>
+              <a:gdLst/>
+              <a:ahLst/>
+              <a:cxnLst/>
+              <a:rect l="0" t="0" r="r" b="b"/>
+              <a:pathLst>
+                <a:path w="1068" h="1020">
+                  <a:moveTo>
+                    <a:pt x="1068" y="1020"/>
+                  </a:moveTo>
+                  <a:lnTo>
+                    <a:pt x="184" y="60"/>
+                  </a:lnTo>
+                  <a:lnTo>
+                    <a:pt x="154" y="27"/>
+                  </a:lnTo>
+                  <a:lnTo>
+                    <a:pt x="157" y="27"/>
+                  </a:lnTo>
+                  <a:lnTo>
+                    <a:pt x="157" y="24"/>
+                  </a:lnTo>
+                  <a:lnTo>
+                    <a:pt x="154" y="24"/>
+                  </a:lnTo>
+                  <a:lnTo>
+                    <a:pt x="0" y="0"/>
+                  </a:lnTo>
+                  <a:lnTo>
+                    <a:pt x="0" y="0"/>
+                  </a:lnTo>
+                  <a:lnTo>
+                    <a:pt x="774" y="1020"/>
+                  </a:lnTo>
+                  <a:lnTo>
+                    <a:pt x="1068" y="1020"/>
+                  </a:lnTo>
+                  <a:close/>
+                </a:path>
+              </a:pathLst>
+            </a:custGeom>
+            <a:solidFill>
+              <a:schemeClr val="tx1">
+                <a:lumMod val="75000"/>
+                <a:lumOff val="25000"/>
+              </a:schemeClr>
+            </a:solidFill>
+            <a:ln>
+              <a:noFill/>
+            </a:ln>
+          </p:spPr>
+        </p:sp>
+      </p:grpSp>
+      <p:sp>
+        <p:nvSpPr>
+          <p:cNvPr id="2" name="Title 1">
+            <a:extLst>
+              <a:ext uri="{FF2B5EF4-FFF2-40B4-BE49-F238E27FC236}">
+                <a16:creationId xmlns:a16="http://schemas.microsoft.com/office/drawing/2014/main" id="{DC5AE974-576B-4494-9442-E6AE2A85E42A}"/>
+              </a:ext>
+            </a:extLst>
+          </p:cNvPr>
+          <p:cNvSpPr>
+            <a:spLocks noGrp="1"/>
+          </p:cNvSpPr>
+          <p:nvPr>
+            <p:ph type="title"/>
+          </p:nvPr>
+        </p:nvSpPr>
+        <p:spPr>
+          <a:xfrm>
+            <a:off x="972080" y="685800"/>
+            <a:ext cx="5260680" cy="1752599"/>
+          </a:xfrm>
+        </p:spPr>
+        <p:txBody>
+          <a:bodyPr>
+            <a:normAutofit/>
+          </a:bodyPr>
+          <a:lstStyle/>
+          <a:p>
+            <a:pPr algn="l"/>
+            <a:r>
+              <a:rPr lang="en-US" dirty="0"/>
+              <a:t>Showing off the model</a:t>
+            </a:r>
+            <a:endParaRPr lang="en-US"/>
+          </a:p>
+        </p:txBody>
+      </p:sp>
+      <p:sp>
+        <p:nvSpPr>
+          <p:cNvPr id="9" name="Content Placeholder 8">
+            <a:extLst>
+              <a:ext uri="{FF2B5EF4-FFF2-40B4-BE49-F238E27FC236}">
+                <a16:creationId xmlns:a16="http://schemas.microsoft.com/office/drawing/2014/main" id="{F013C39A-91D0-43C6-9E37-D414FAAFBB45}"/>
+              </a:ext>
+            </a:extLst>
+          </p:cNvPr>
+          <p:cNvSpPr>
+            <a:spLocks noGrp="1"/>
+          </p:cNvSpPr>
+          <p:nvPr>
+            <p:ph idx="1"/>
+          </p:nvPr>
+        </p:nvSpPr>
+        <p:spPr>
+          <a:xfrm>
+            <a:off x="643468" y="2666999"/>
+            <a:ext cx="5260680" cy="3124201"/>
+          </a:xfrm>
+        </p:spPr>
+        <p:txBody>
+          <a:bodyPr>
+            <a:normAutofit/>
+          </a:bodyPr>
+          <a:lstStyle/>
+          <a:p>
+            <a:r>
+              <a:rPr lang="en-US" sz="2000" dirty="0"/>
+              <a:t>With only a couple of images per class, we achieved nearly 100% accuracy for all classes.</a:t>
+            </a:r>
+          </a:p>
+          <a:p>
+            <a:r>
+              <a:rPr lang="en-US" sz="2000" dirty="0" err="1"/>
+              <a:t>ImageDataGenerator</a:t>
+            </a:r>
+            <a:r>
+              <a:rPr lang="en-US" sz="2000" dirty="0"/>
+              <a:t> was a big help to the model as it added effects per epoch simulated new data.</a:t>
+            </a:r>
+          </a:p>
+          <a:p>
+            <a:r>
+              <a:rPr lang="en-US" sz="2000" dirty="0"/>
+              <a:t> Starcraft 2 Unit Recognition is 100% doable</a:t>
+            </a:r>
+          </a:p>
+        </p:txBody>
+      </p:sp>
+    </p:spTree>
+    <p:extLst>
+      <p:ext uri="{BB962C8B-B14F-4D97-AF65-F5344CB8AC3E}">
+        <p14:creationId xmlns:p14="http://schemas.microsoft.com/office/powerpoint/2010/main" val="528789294"/>
+      </p:ext>
+    </p:extLst>
+  </p:cSld>
+  <p:clrMapOvr>
+    <a:masterClrMapping/>
+  </p:clrMapOvr>
+</p:sld>
+</file>
+
+<file path=ppt/slides/slide7.xml><?xml version="1.0" encoding="utf-8"?>
+<p:sld xmlns:a="http://schemas.openxmlformats.org/drawingml/2006/main" xmlns:r="http://schemas.openxmlformats.org/officeDocument/2006/relationships" xmlns:p="http://schemas.openxmlformats.org/presentationml/2006/main">
+  <p:cSld>
+    <p:spTree>
+      <p:nvGrpSpPr>
+        <p:cNvPr id="1" name=""/>
+        <p:cNvGrpSpPr/>
+        <p:nvPr/>
+      </p:nvGrpSpPr>
+      <p:grpSpPr>
+        <a:xfrm>
+          <a:off x="0" y="0"/>
+          <a:ext cx="0" cy="0"/>
+          <a:chOff x="0" y="0"/>
+          <a:chExt cx="0" cy="0"/>
+        </a:xfrm>
+      </p:grpSpPr>
+      <p:sp>
+        <p:nvSpPr>
+          <p:cNvPr id="2" name="Title 1">
+            <a:extLst>
+              <a:ext uri="{FF2B5EF4-FFF2-40B4-BE49-F238E27FC236}">
+                <a16:creationId xmlns:a16="http://schemas.microsoft.com/office/drawing/2014/main" id="{937DE003-D59E-44FA-A5C6-7000C56E2617}"/>
+              </a:ext>
+            </a:extLst>
+          </p:cNvPr>
+          <p:cNvSpPr>
+            <a:spLocks noGrp="1"/>
+          </p:cNvSpPr>
+          <p:nvPr>
+            <p:ph type="title"/>
+          </p:nvPr>
+        </p:nvSpPr>
+        <p:spPr/>
+        <p:txBody>
+          <a:bodyPr/>
+          <a:lstStyle/>
+          <a:p>
+            <a:r>
+              <a:rPr lang="en-US" dirty="0"/>
+              <a:t>Future Work</a:t>
+            </a:r>
+          </a:p>
+        </p:txBody>
+      </p:sp>
+      <p:sp>
+        <p:nvSpPr>
+          <p:cNvPr id="3" name="Content Placeholder 2">
+            <a:extLst>
+              <a:ext uri="{FF2B5EF4-FFF2-40B4-BE49-F238E27FC236}">
+                <a16:creationId xmlns:a16="http://schemas.microsoft.com/office/drawing/2014/main" id="{0B2A0CCC-6DDC-4F15-977E-7D3ADED8FA00}"/>
+              </a:ext>
+            </a:extLst>
+          </p:cNvPr>
+          <p:cNvSpPr>
+            <a:spLocks noGrp="1"/>
+          </p:cNvSpPr>
+          <p:nvPr>
+            <p:ph idx="1"/>
+          </p:nvPr>
+        </p:nvSpPr>
+        <p:spPr/>
+        <p:txBody>
+          <a:bodyPr/>
+          <a:lstStyle/>
+          <a:p>
+            <a:r>
+              <a:rPr lang="en-US" dirty="0"/>
+              <a:t>I did attempt to train a Yolo Model but without much more data, the model will not perform as well in object detection as our unit recognition model </a:t>
+            </a:r>
+            <a:r>
+              <a:rPr lang="en-US"/>
+              <a:t>is doing</a:t>
+            </a:r>
+            <a:endParaRPr lang="en-US" dirty="0"/>
+          </a:p>
+          <a:p>
+            <a:r>
+              <a:rPr lang="en-US" dirty="0"/>
+              <a:t>OpenCV can be used to apply this unit recognition model</a:t>
+            </a:r>
+          </a:p>
+          <a:p>
+            <a:r>
+              <a:rPr lang="en-US" dirty="0"/>
+              <a:t>Data!!! We can still expand this model to include all of the units and structures that Starcraft 2 has to offer (&gt; 100)</a:t>
+            </a:r>
+          </a:p>
+        </p:txBody>
+      </p:sp>
+    </p:spTree>
+    <p:extLst>
+      <p:ext uri="{BB962C8B-B14F-4D97-AF65-F5344CB8AC3E}">
+        <p14:creationId xmlns:p14="http://schemas.microsoft.com/office/powerpoint/2010/main" val="693687239"/>
       </p:ext>
     </p:extLst>
   </p:cSld>
